--- a/ppt 16-9/0918.弟兄你又要启程.pptx
+++ b/ppt 16-9/0918.弟兄你又要启程.pptx
@@ -129,7 +129,7 @@
           <p:cNvPr id="2" name="标题 1">
             <a:extLst>
               <a:ext uri="{FF2B5EF4-FFF2-40B4-BE49-F238E27FC236}">
-                <a16:creationId xmlns:a16="http://schemas.microsoft.com/office/drawing/2014/main" id="{18440764-5084-F18C-57B5-C486BE6ED104}"/>
+                <a16:creationId xmlns:a16="http://schemas.microsoft.com/office/drawing/2014/main" id="{B76CD0F5-F75D-DE28-C236-53ADC499690A}"/>
               </a:ext>
             </a:extLst>
           </p:cNvPr>
@@ -166,7 +166,7 @@
           <p:cNvPr id="3" name="副标题 2">
             <a:extLst>
               <a:ext uri="{FF2B5EF4-FFF2-40B4-BE49-F238E27FC236}">
-                <a16:creationId xmlns:a16="http://schemas.microsoft.com/office/drawing/2014/main" id="{2412E8D1-1800-7640-BA0D-4A5D08656965}"/>
+                <a16:creationId xmlns:a16="http://schemas.microsoft.com/office/drawing/2014/main" id="{151068C8-1D84-978D-6A50-60BBF631F9F2}"/>
               </a:ext>
             </a:extLst>
           </p:cNvPr>
@@ -236,7 +236,7 @@
           <p:cNvPr id="4" name="日期占位符 3">
             <a:extLst>
               <a:ext uri="{FF2B5EF4-FFF2-40B4-BE49-F238E27FC236}">
-                <a16:creationId xmlns:a16="http://schemas.microsoft.com/office/drawing/2014/main" id="{873C3B93-45C5-94FF-0866-306948D5D1BC}"/>
+                <a16:creationId xmlns:a16="http://schemas.microsoft.com/office/drawing/2014/main" id="{1639372F-8469-7540-7270-E7A5939360A8}"/>
               </a:ext>
             </a:extLst>
           </p:cNvPr>
@@ -252,7 +252,7 @@
           <a:bodyPr/>
           <a:lstStyle/>
           <a:p>
-            <a:fld id="{D8591F23-80A1-42F6-8DA1-BFFD1B0F0508}" type="datetimeFigureOut">
+            <a:fld id="{B44F6DAA-712B-4401-B7A6-51482ECF3CB2}" type="datetimeFigureOut">
               <a:rPr lang="zh-CN" altLang="en-US" smtClean="0"/>
               <a:t>2024/3/10</a:t>
             </a:fld>
@@ -265,7 +265,7 @@
           <p:cNvPr id="5" name="页脚占位符 4">
             <a:extLst>
               <a:ext uri="{FF2B5EF4-FFF2-40B4-BE49-F238E27FC236}">
-                <a16:creationId xmlns:a16="http://schemas.microsoft.com/office/drawing/2014/main" id="{5FB3CAF6-A7B5-C288-328A-92CDB7790229}"/>
+                <a16:creationId xmlns:a16="http://schemas.microsoft.com/office/drawing/2014/main" id="{97723F79-8E2C-1EB8-6BBC-3BCE9D390705}"/>
               </a:ext>
             </a:extLst>
           </p:cNvPr>
@@ -290,7 +290,7 @@
           <p:cNvPr id="6" name="灯片编号占位符 5">
             <a:extLst>
               <a:ext uri="{FF2B5EF4-FFF2-40B4-BE49-F238E27FC236}">
-                <a16:creationId xmlns:a16="http://schemas.microsoft.com/office/drawing/2014/main" id="{D0F3E3AC-18AA-CE50-02B7-1E7A67D0429F}"/>
+                <a16:creationId xmlns:a16="http://schemas.microsoft.com/office/drawing/2014/main" id="{9FF36AFC-9126-CDC2-1BB6-993AA94F9365}"/>
               </a:ext>
             </a:extLst>
           </p:cNvPr>
@@ -306,7 +306,7 @@
           <a:bodyPr/>
           <a:lstStyle/>
           <a:p>
-            <a:fld id="{7FA2DAB6-122C-4077-B8DC-612C60D04849}" type="slidenum">
+            <a:fld id="{80071927-E2B2-49E9-A3C1-BA6E9EE697E4}" type="slidenum">
               <a:rPr lang="zh-CN" altLang="en-US" smtClean="0"/>
               <a:t>‹#›</a:t>
             </a:fld>
@@ -317,7 +317,7 @@
     </p:spTree>
     <p:extLst>
       <p:ext uri="{BB962C8B-B14F-4D97-AF65-F5344CB8AC3E}">
-        <p14:creationId xmlns:p14="http://schemas.microsoft.com/office/powerpoint/2010/main" val="346440359"/>
+        <p14:creationId xmlns:p14="http://schemas.microsoft.com/office/powerpoint/2010/main" val="4267958319"/>
       </p:ext>
     </p:extLst>
   </p:cSld>
@@ -349,7 +349,7 @@
           <p:cNvPr id="2" name="标题 1">
             <a:extLst>
               <a:ext uri="{FF2B5EF4-FFF2-40B4-BE49-F238E27FC236}">
-                <a16:creationId xmlns:a16="http://schemas.microsoft.com/office/drawing/2014/main" id="{0A4BC862-FE4D-1684-79E4-70201F07E4D0}"/>
+                <a16:creationId xmlns:a16="http://schemas.microsoft.com/office/drawing/2014/main" id="{0FA913F2-8C64-C19A-E39E-840F1BE1EC5A}"/>
               </a:ext>
             </a:extLst>
           </p:cNvPr>
@@ -377,7 +377,7 @@
           <p:cNvPr id="3" name="竖排文字占位符 2">
             <a:extLst>
               <a:ext uri="{FF2B5EF4-FFF2-40B4-BE49-F238E27FC236}">
-                <a16:creationId xmlns:a16="http://schemas.microsoft.com/office/drawing/2014/main" id="{B7907683-1B64-1EC2-492A-699A55689F94}"/>
+                <a16:creationId xmlns:a16="http://schemas.microsoft.com/office/drawing/2014/main" id="{65FAF1A5-9CB3-A097-7DF0-E76B571AF316}"/>
               </a:ext>
             </a:extLst>
           </p:cNvPr>
@@ -434,7 +434,7 @@
           <p:cNvPr id="4" name="日期占位符 3">
             <a:extLst>
               <a:ext uri="{FF2B5EF4-FFF2-40B4-BE49-F238E27FC236}">
-                <a16:creationId xmlns:a16="http://schemas.microsoft.com/office/drawing/2014/main" id="{06A87881-6DAF-279F-156E-B76BA2976979}"/>
+                <a16:creationId xmlns:a16="http://schemas.microsoft.com/office/drawing/2014/main" id="{5062B3A9-0A0B-29A1-763C-3782FB82DA8F}"/>
               </a:ext>
             </a:extLst>
           </p:cNvPr>
@@ -450,7 +450,7 @@
           <a:bodyPr/>
           <a:lstStyle/>
           <a:p>
-            <a:fld id="{D8591F23-80A1-42F6-8DA1-BFFD1B0F0508}" type="datetimeFigureOut">
+            <a:fld id="{B44F6DAA-712B-4401-B7A6-51482ECF3CB2}" type="datetimeFigureOut">
               <a:rPr lang="zh-CN" altLang="en-US" smtClean="0"/>
               <a:t>2024/3/10</a:t>
             </a:fld>
@@ -463,7 +463,7 @@
           <p:cNvPr id="5" name="页脚占位符 4">
             <a:extLst>
               <a:ext uri="{FF2B5EF4-FFF2-40B4-BE49-F238E27FC236}">
-                <a16:creationId xmlns:a16="http://schemas.microsoft.com/office/drawing/2014/main" id="{15075F08-0734-54AD-5ED4-D4E65F695B1D}"/>
+                <a16:creationId xmlns:a16="http://schemas.microsoft.com/office/drawing/2014/main" id="{E825BF59-3EC2-EA32-E6CE-DAE95886D5C1}"/>
               </a:ext>
             </a:extLst>
           </p:cNvPr>
@@ -488,7 +488,7 @@
           <p:cNvPr id="6" name="灯片编号占位符 5">
             <a:extLst>
               <a:ext uri="{FF2B5EF4-FFF2-40B4-BE49-F238E27FC236}">
-                <a16:creationId xmlns:a16="http://schemas.microsoft.com/office/drawing/2014/main" id="{EB986E5F-D00E-EBD9-7F66-2783F005053E}"/>
+                <a16:creationId xmlns:a16="http://schemas.microsoft.com/office/drawing/2014/main" id="{C825D446-A844-E832-0D86-2EBCD7B40CDF}"/>
               </a:ext>
             </a:extLst>
           </p:cNvPr>
@@ -504,7 +504,7 @@
           <a:bodyPr/>
           <a:lstStyle/>
           <a:p>
-            <a:fld id="{7FA2DAB6-122C-4077-B8DC-612C60D04849}" type="slidenum">
+            <a:fld id="{80071927-E2B2-49E9-A3C1-BA6E9EE697E4}" type="slidenum">
               <a:rPr lang="zh-CN" altLang="en-US" smtClean="0"/>
               <a:t>‹#›</a:t>
             </a:fld>
@@ -515,7 +515,7 @@
     </p:spTree>
     <p:extLst>
       <p:ext uri="{BB962C8B-B14F-4D97-AF65-F5344CB8AC3E}">
-        <p14:creationId xmlns:p14="http://schemas.microsoft.com/office/powerpoint/2010/main" val="2295099490"/>
+        <p14:creationId xmlns:p14="http://schemas.microsoft.com/office/powerpoint/2010/main" val="2784564554"/>
       </p:ext>
     </p:extLst>
   </p:cSld>
@@ -547,7 +547,7 @@
           <p:cNvPr id="2" name="竖排标题 1">
             <a:extLst>
               <a:ext uri="{FF2B5EF4-FFF2-40B4-BE49-F238E27FC236}">
-                <a16:creationId xmlns:a16="http://schemas.microsoft.com/office/drawing/2014/main" id="{503EF49C-6372-673E-7DB5-77E8B4693089}"/>
+                <a16:creationId xmlns:a16="http://schemas.microsoft.com/office/drawing/2014/main" id="{08080F1B-A546-8D5F-EDC2-D73EE0CE84F9}"/>
               </a:ext>
             </a:extLst>
           </p:cNvPr>
@@ -580,7 +580,7 @@
           <p:cNvPr id="3" name="竖排文字占位符 2">
             <a:extLst>
               <a:ext uri="{FF2B5EF4-FFF2-40B4-BE49-F238E27FC236}">
-                <a16:creationId xmlns:a16="http://schemas.microsoft.com/office/drawing/2014/main" id="{0212A754-A0F6-2A5F-D783-F487DE5FF11E}"/>
+                <a16:creationId xmlns:a16="http://schemas.microsoft.com/office/drawing/2014/main" id="{439F8FFF-50A7-BC76-7277-A273AEB98DEE}"/>
               </a:ext>
             </a:extLst>
           </p:cNvPr>
@@ -642,7 +642,7 @@
           <p:cNvPr id="4" name="日期占位符 3">
             <a:extLst>
               <a:ext uri="{FF2B5EF4-FFF2-40B4-BE49-F238E27FC236}">
-                <a16:creationId xmlns:a16="http://schemas.microsoft.com/office/drawing/2014/main" id="{B174902A-81D0-4BCF-58E3-B04628862645}"/>
+                <a16:creationId xmlns:a16="http://schemas.microsoft.com/office/drawing/2014/main" id="{87AA27DD-B199-EB27-0DFE-760C5964A62B}"/>
               </a:ext>
             </a:extLst>
           </p:cNvPr>
@@ -658,7 +658,7 @@
           <a:bodyPr/>
           <a:lstStyle/>
           <a:p>
-            <a:fld id="{D8591F23-80A1-42F6-8DA1-BFFD1B0F0508}" type="datetimeFigureOut">
+            <a:fld id="{B44F6DAA-712B-4401-B7A6-51482ECF3CB2}" type="datetimeFigureOut">
               <a:rPr lang="zh-CN" altLang="en-US" smtClean="0"/>
               <a:t>2024/3/10</a:t>
             </a:fld>
@@ -671,7 +671,7 @@
           <p:cNvPr id="5" name="页脚占位符 4">
             <a:extLst>
               <a:ext uri="{FF2B5EF4-FFF2-40B4-BE49-F238E27FC236}">
-                <a16:creationId xmlns:a16="http://schemas.microsoft.com/office/drawing/2014/main" id="{1C95E3FB-98C2-6336-2086-1CAD1D79D592}"/>
+                <a16:creationId xmlns:a16="http://schemas.microsoft.com/office/drawing/2014/main" id="{FF51530D-B715-AEBB-3941-AB07DE787A78}"/>
               </a:ext>
             </a:extLst>
           </p:cNvPr>
@@ -696,7 +696,7 @@
           <p:cNvPr id="6" name="灯片编号占位符 5">
             <a:extLst>
               <a:ext uri="{FF2B5EF4-FFF2-40B4-BE49-F238E27FC236}">
-                <a16:creationId xmlns:a16="http://schemas.microsoft.com/office/drawing/2014/main" id="{C6EA7548-5D50-0BA9-81C2-19CBD88F3330}"/>
+                <a16:creationId xmlns:a16="http://schemas.microsoft.com/office/drawing/2014/main" id="{7A162F29-4454-A1A1-DA95-014611E38E5B}"/>
               </a:ext>
             </a:extLst>
           </p:cNvPr>
@@ -712,7 +712,7 @@
           <a:bodyPr/>
           <a:lstStyle/>
           <a:p>
-            <a:fld id="{7FA2DAB6-122C-4077-B8DC-612C60D04849}" type="slidenum">
+            <a:fld id="{80071927-E2B2-49E9-A3C1-BA6E9EE697E4}" type="slidenum">
               <a:rPr lang="zh-CN" altLang="en-US" smtClean="0"/>
               <a:t>‹#›</a:t>
             </a:fld>
@@ -723,7 +723,7 @@
     </p:spTree>
     <p:extLst>
       <p:ext uri="{BB962C8B-B14F-4D97-AF65-F5344CB8AC3E}">
-        <p14:creationId xmlns:p14="http://schemas.microsoft.com/office/powerpoint/2010/main" val="2263443589"/>
+        <p14:creationId xmlns:p14="http://schemas.microsoft.com/office/powerpoint/2010/main" val="2936860364"/>
       </p:ext>
     </p:extLst>
   </p:cSld>
@@ -755,7 +755,7 @@
           <p:cNvPr id="2" name="标题 1">
             <a:extLst>
               <a:ext uri="{FF2B5EF4-FFF2-40B4-BE49-F238E27FC236}">
-                <a16:creationId xmlns:a16="http://schemas.microsoft.com/office/drawing/2014/main" id="{76E90E07-6806-B6B9-C199-5429B5349A96}"/>
+                <a16:creationId xmlns:a16="http://schemas.microsoft.com/office/drawing/2014/main" id="{D92E0C44-ED60-0C3D-35FA-100B4DCD4310}"/>
               </a:ext>
             </a:extLst>
           </p:cNvPr>
@@ -783,7 +783,7 @@
           <p:cNvPr id="3" name="内容占位符 2">
             <a:extLst>
               <a:ext uri="{FF2B5EF4-FFF2-40B4-BE49-F238E27FC236}">
-                <a16:creationId xmlns:a16="http://schemas.microsoft.com/office/drawing/2014/main" id="{A3B27C55-D05C-BE53-48A8-C3EAC6810211}"/>
+                <a16:creationId xmlns:a16="http://schemas.microsoft.com/office/drawing/2014/main" id="{507D70BB-57F6-C4CD-93B1-3523D1E7CFBC}"/>
               </a:ext>
             </a:extLst>
           </p:cNvPr>
@@ -840,7 +840,7 @@
           <p:cNvPr id="4" name="日期占位符 3">
             <a:extLst>
               <a:ext uri="{FF2B5EF4-FFF2-40B4-BE49-F238E27FC236}">
-                <a16:creationId xmlns:a16="http://schemas.microsoft.com/office/drawing/2014/main" id="{D1367B24-8D24-096A-40F0-7AAA913A6644}"/>
+                <a16:creationId xmlns:a16="http://schemas.microsoft.com/office/drawing/2014/main" id="{DC26C2ED-A82D-1BF5-F3B0-24129D65A963}"/>
               </a:ext>
             </a:extLst>
           </p:cNvPr>
@@ -856,7 +856,7 @@
           <a:bodyPr/>
           <a:lstStyle/>
           <a:p>
-            <a:fld id="{D8591F23-80A1-42F6-8DA1-BFFD1B0F0508}" type="datetimeFigureOut">
+            <a:fld id="{B44F6DAA-712B-4401-B7A6-51482ECF3CB2}" type="datetimeFigureOut">
               <a:rPr lang="zh-CN" altLang="en-US" smtClean="0"/>
               <a:t>2024/3/10</a:t>
             </a:fld>
@@ -869,7 +869,7 @@
           <p:cNvPr id="5" name="页脚占位符 4">
             <a:extLst>
               <a:ext uri="{FF2B5EF4-FFF2-40B4-BE49-F238E27FC236}">
-                <a16:creationId xmlns:a16="http://schemas.microsoft.com/office/drawing/2014/main" id="{0D2DE712-B449-4440-52AB-495C6F3EB39F}"/>
+                <a16:creationId xmlns:a16="http://schemas.microsoft.com/office/drawing/2014/main" id="{A41DD46D-E250-1C5D-E2B1-F27BDB6666C2}"/>
               </a:ext>
             </a:extLst>
           </p:cNvPr>
@@ -894,7 +894,7 @@
           <p:cNvPr id="6" name="灯片编号占位符 5">
             <a:extLst>
               <a:ext uri="{FF2B5EF4-FFF2-40B4-BE49-F238E27FC236}">
-                <a16:creationId xmlns:a16="http://schemas.microsoft.com/office/drawing/2014/main" id="{B958B98C-EA3C-BB1A-B344-7B36B2E739A5}"/>
+                <a16:creationId xmlns:a16="http://schemas.microsoft.com/office/drawing/2014/main" id="{D85F8C12-8A29-0747-AEBE-09BA51060D4C}"/>
               </a:ext>
             </a:extLst>
           </p:cNvPr>
@@ -910,7 +910,7 @@
           <a:bodyPr/>
           <a:lstStyle/>
           <a:p>
-            <a:fld id="{7FA2DAB6-122C-4077-B8DC-612C60D04849}" type="slidenum">
+            <a:fld id="{80071927-E2B2-49E9-A3C1-BA6E9EE697E4}" type="slidenum">
               <a:rPr lang="zh-CN" altLang="en-US" smtClean="0"/>
               <a:t>‹#›</a:t>
             </a:fld>
@@ -921,7 +921,7 @@
     </p:spTree>
     <p:extLst>
       <p:ext uri="{BB962C8B-B14F-4D97-AF65-F5344CB8AC3E}">
-        <p14:creationId xmlns:p14="http://schemas.microsoft.com/office/powerpoint/2010/main" val="580829419"/>
+        <p14:creationId xmlns:p14="http://schemas.microsoft.com/office/powerpoint/2010/main" val="1425049884"/>
       </p:ext>
     </p:extLst>
   </p:cSld>
@@ -953,7 +953,7 @@
           <p:cNvPr id="2" name="标题 1">
             <a:extLst>
               <a:ext uri="{FF2B5EF4-FFF2-40B4-BE49-F238E27FC236}">
-                <a16:creationId xmlns:a16="http://schemas.microsoft.com/office/drawing/2014/main" id="{F11E750D-572A-60E8-65F9-517AAC7D6C76}"/>
+                <a16:creationId xmlns:a16="http://schemas.microsoft.com/office/drawing/2014/main" id="{3E90B1AA-97BF-7176-FE88-549EAB87B172}"/>
               </a:ext>
             </a:extLst>
           </p:cNvPr>
@@ -990,7 +990,7 @@
           <p:cNvPr id="3" name="文本占位符 2">
             <a:extLst>
               <a:ext uri="{FF2B5EF4-FFF2-40B4-BE49-F238E27FC236}">
-                <a16:creationId xmlns:a16="http://schemas.microsoft.com/office/drawing/2014/main" id="{63321F1D-E876-6F51-9FE7-F9315C1D104C}"/>
+                <a16:creationId xmlns:a16="http://schemas.microsoft.com/office/drawing/2014/main" id="{DD7AD8CE-0D29-A8D9-0FDF-794BC8C29CED}"/>
               </a:ext>
             </a:extLst>
           </p:cNvPr>
@@ -1115,7 +1115,7 @@
           <p:cNvPr id="4" name="日期占位符 3">
             <a:extLst>
               <a:ext uri="{FF2B5EF4-FFF2-40B4-BE49-F238E27FC236}">
-                <a16:creationId xmlns:a16="http://schemas.microsoft.com/office/drawing/2014/main" id="{80361FE2-79BD-10F0-C306-0480B2D10F67}"/>
+                <a16:creationId xmlns:a16="http://schemas.microsoft.com/office/drawing/2014/main" id="{047FCB7A-15E9-BE6B-65A4-06193FFF48B1}"/>
               </a:ext>
             </a:extLst>
           </p:cNvPr>
@@ -1131,7 +1131,7 @@
           <a:bodyPr/>
           <a:lstStyle/>
           <a:p>
-            <a:fld id="{D8591F23-80A1-42F6-8DA1-BFFD1B0F0508}" type="datetimeFigureOut">
+            <a:fld id="{B44F6DAA-712B-4401-B7A6-51482ECF3CB2}" type="datetimeFigureOut">
               <a:rPr lang="zh-CN" altLang="en-US" smtClean="0"/>
               <a:t>2024/3/10</a:t>
             </a:fld>
@@ -1144,7 +1144,7 @@
           <p:cNvPr id="5" name="页脚占位符 4">
             <a:extLst>
               <a:ext uri="{FF2B5EF4-FFF2-40B4-BE49-F238E27FC236}">
-                <a16:creationId xmlns:a16="http://schemas.microsoft.com/office/drawing/2014/main" id="{16463DF6-FFE2-26C7-E1DE-0250AEC2006A}"/>
+                <a16:creationId xmlns:a16="http://schemas.microsoft.com/office/drawing/2014/main" id="{A5608F53-8A51-E2FC-8632-6A949375AD2D}"/>
               </a:ext>
             </a:extLst>
           </p:cNvPr>
@@ -1169,7 +1169,7 @@
           <p:cNvPr id="6" name="灯片编号占位符 5">
             <a:extLst>
               <a:ext uri="{FF2B5EF4-FFF2-40B4-BE49-F238E27FC236}">
-                <a16:creationId xmlns:a16="http://schemas.microsoft.com/office/drawing/2014/main" id="{E50D8CB1-ED58-C43A-1FE1-0F17A7FA53C3}"/>
+                <a16:creationId xmlns:a16="http://schemas.microsoft.com/office/drawing/2014/main" id="{34A6BFC7-6251-AA5C-A9D3-F9D59214AD29}"/>
               </a:ext>
             </a:extLst>
           </p:cNvPr>
@@ -1185,7 +1185,7 @@
           <a:bodyPr/>
           <a:lstStyle/>
           <a:p>
-            <a:fld id="{7FA2DAB6-122C-4077-B8DC-612C60D04849}" type="slidenum">
+            <a:fld id="{80071927-E2B2-49E9-A3C1-BA6E9EE697E4}" type="slidenum">
               <a:rPr lang="zh-CN" altLang="en-US" smtClean="0"/>
               <a:t>‹#›</a:t>
             </a:fld>
@@ -1196,7 +1196,7 @@
     </p:spTree>
     <p:extLst>
       <p:ext uri="{BB962C8B-B14F-4D97-AF65-F5344CB8AC3E}">
-        <p14:creationId xmlns:p14="http://schemas.microsoft.com/office/powerpoint/2010/main" val="4089022098"/>
+        <p14:creationId xmlns:p14="http://schemas.microsoft.com/office/powerpoint/2010/main" val="256831177"/>
       </p:ext>
     </p:extLst>
   </p:cSld>
@@ -1228,7 +1228,7 @@
           <p:cNvPr id="2" name="标题 1">
             <a:extLst>
               <a:ext uri="{FF2B5EF4-FFF2-40B4-BE49-F238E27FC236}">
-                <a16:creationId xmlns:a16="http://schemas.microsoft.com/office/drawing/2014/main" id="{9CAC1D3C-6482-25D4-0350-F86541528E73}"/>
+                <a16:creationId xmlns:a16="http://schemas.microsoft.com/office/drawing/2014/main" id="{40D44A8A-65C3-AB35-52CF-C0D031E1D9B1}"/>
               </a:ext>
             </a:extLst>
           </p:cNvPr>
@@ -1256,7 +1256,7 @@
           <p:cNvPr id="3" name="内容占位符 2">
             <a:extLst>
               <a:ext uri="{FF2B5EF4-FFF2-40B4-BE49-F238E27FC236}">
-                <a16:creationId xmlns:a16="http://schemas.microsoft.com/office/drawing/2014/main" id="{8F30C94F-DA58-F727-2A00-0CC29F73DBC2}"/>
+                <a16:creationId xmlns:a16="http://schemas.microsoft.com/office/drawing/2014/main" id="{530E4264-7858-A2D0-1921-09677A304C2D}"/>
               </a:ext>
             </a:extLst>
           </p:cNvPr>
@@ -1318,7 +1318,7 @@
           <p:cNvPr id="4" name="内容占位符 3">
             <a:extLst>
               <a:ext uri="{FF2B5EF4-FFF2-40B4-BE49-F238E27FC236}">
-                <a16:creationId xmlns:a16="http://schemas.microsoft.com/office/drawing/2014/main" id="{584AEEC6-9D6B-734F-9C93-0E801F7A6103}"/>
+                <a16:creationId xmlns:a16="http://schemas.microsoft.com/office/drawing/2014/main" id="{49C676EE-7C45-6184-10D1-A6953CECCE84}"/>
               </a:ext>
             </a:extLst>
           </p:cNvPr>
@@ -1380,7 +1380,7 @@
           <p:cNvPr id="5" name="日期占位符 4">
             <a:extLst>
               <a:ext uri="{FF2B5EF4-FFF2-40B4-BE49-F238E27FC236}">
-                <a16:creationId xmlns:a16="http://schemas.microsoft.com/office/drawing/2014/main" id="{976AEB0B-CE95-15D2-CBF0-7E29FCBFF058}"/>
+                <a16:creationId xmlns:a16="http://schemas.microsoft.com/office/drawing/2014/main" id="{06016C87-7BBD-6FBD-E94D-82ABD3B1E399}"/>
               </a:ext>
             </a:extLst>
           </p:cNvPr>
@@ -1396,7 +1396,7 @@
           <a:bodyPr/>
           <a:lstStyle/>
           <a:p>
-            <a:fld id="{D8591F23-80A1-42F6-8DA1-BFFD1B0F0508}" type="datetimeFigureOut">
+            <a:fld id="{B44F6DAA-712B-4401-B7A6-51482ECF3CB2}" type="datetimeFigureOut">
               <a:rPr lang="zh-CN" altLang="en-US" smtClean="0"/>
               <a:t>2024/3/10</a:t>
             </a:fld>
@@ -1409,7 +1409,7 @@
           <p:cNvPr id="6" name="页脚占位符 5">
             <a:extLst>
               <a:ext uri="{FF2B5EF4-FFF2-40B4-BE49-F238E27FC236}">
-                <a16:creationId xmlns:a16="http://schemas.microsoft.com/office/drawing/2014/main" id="{26DD2F0E-A9CA-09ED-174A-DFFD0BD49326}"/>
+                <a16:creationId xmlns:a16="http://schemas.microsoft.com/office/drawing/2014/main" id="{DB98CECB-38B0-EF94-321B-4A127254233C}"/>
               </a:ext>
             </a:extLst>
           </p:cNvPr>
@@ -1434,7 +1434,7 @@
           <p:cNvPr id="7" name="灯片编号占位符 6">
             <a:extLst>
               <a:ext uri="{FF2B5EF4-FFF2-40B4-BE49-F238E27FC236}">
-                <a16:creationId xmlns:a16="http://schemas.microsoft.com/office/drawing/2014/main" id="{3A615792-9B4C-5E2C-842D-0EFC42AAFE94}"/>
+                <a16:creationId xmlns:a16="http://schemas.microsoft.com/office/drawing/2014/main" id="{D7542F2B-8BEF-5D7D-CA50-785FB57B9659}"/>
               </a:ext>
             </a:extLst>
           </p:cNvPr>
@@ -1450,7 +1450,7 @@
           <a:bodyPr/>
           <a:lstStyle/>
           <a:p>
-            <a:fld id="{7FA2DAB6-122C-4077-B8DC-612C60D04849}" type="slidenum">
+            <a:fld id="{80071927-E2B2-49E9-A3C1-BA6E9EE697E4}" type="slidenum">
               <a:rPr lang="zh-CN" altLang="en-US" smtClean="0"/>
               <a:t>‹#›</a:t>
             </a:fld>
@@ -1461,7 +1461,7 @@
     </p:spTree>
     <p:extLst>
       <p:ext uri="{BB962C8B-B14F-4D97-AF65-F5344CB8AC3E}">
-        <p14:creationId xmlns:p14="http://schemas.microsoft.com/office/powerpoint/2010/main" val="113206357"/>
+        <p14:creationId xmlns:p14="http://schemas.microsoft.com/office/powerpoint/2010/main" val="2402559718"/>
       </p:ext>
     </p:extLst>
   </p:cSld>
@@ -1493,7 +1493,7 @@
           <p:cNvPr id="2" name="标题 1">
             <a:extLst>
               <a:ext uri="{FF2B5EF4-FFF2-40B4-BE49-F238E27FC236}">
-                <a16:creationId xmlns:a16="http://schemas.microsoft.com/office/drawing/2014/main" id="{22C4150B-F4E1-B979-48CD-290850313C17}"/>
+                <a16:creationId xmlns:a16="http://schemas.microsoft.com/office/drawing/2014/main" id="{5C0E9680-C09B-24E2-F910-FA448AEEB381}"/>
               </a:ext>
             </a:extLst>
           </p:cNvPr>
@@ -1526,7 +1526,7 @@
           <p:cNvPr id="3" name="文本占位符 2">
             <a:extLst>
               <a:ext uri="{FF2B5EF4-FFF2-40B4-BE49-F238E27FC236}">
-                <a16:creationId xmlns:a16="http://schemas.microsoft.com/office/drawing/2014/main" id="{4FB44129-9D9E-BAA7-3659-9483E9F6DCFD}"/>
+                <a16:creationId xmlns:a16="http://schemas.microsoft.com/office/drawing/2014/main" id="{89BC9E21-49E5-ECC3-B985-AF231E7357E1}"/>
               </a:ext>
             </a:extLst>
           </p:cNvPr>
@@ -1597,7 +1597,7 @@
           <p:cNvPr id="4" name="内容占位符 3">
             <a:extLst>
               <a:ext uri="{FF2B5EF4-FFF2-40B4-BE49-F238E27FC236}">
-                <a16:creationId xmlns:a16="http://schemas.microsoft.com/office/drawing/2014/main" id="{A247FEDD-C190-EBF1-E4FE-304596F638CC}"/>
+                <a16:creationId xmlns:a16="http://schemas.microsoft.com/office/drawing/2014/main" id="{E16C5C53-D726-965B-A50F-A1989B6332B7}"/>
               </a:ext>
             </a:extLst>
           </p:cNvPr>
@@ -1659,7 +1659,7 @@
           <p:cNvPr id="5" name="文本占位符 4">
             <a:extLst>
               <a:ext uri="{FF2B5EF4-FFF2-40B4-BE49-F238E27FC236}">
-                <a16:creationId xmlns:a16="http://schemas.microsoft.com/office/drawing/2014/main" id="{5C764ECC-4A30-A6F0-EDEC-AABFDCD4C066}"/>
+                <a16:creationId xmlns:a16="http://schemas.microsoft.com/office/drawing/2014/main" id="{A04835A1-A735-977A-262E-B7DD50251E86}"/>
               </a:ext>
             </a:extLst>
           </p:cNvPr>
@@ -1730,7 +1730,7 @@
           <p:cNvPr id="6" name="内容占位符 5">
             <a:extLst>
               <a:ext uri="{FF2B5EF4-FFF2-40B4-BE49-F238E27FC236}">
-                <a16:creationId xmlns:a16="http://schemas.microsoft.com/office/drawing/2014/main" id="{0A1BCA4D-8D36-E3E6-82C3-B95AD9D78FB9}"/>
+                <a16:creationId xmlns:a16="http://schemas.microsoft.com/office/drawing/2014/main" id="{48A07B97-0E83-46E3-2C51-816C85EE80E0}"/>
               </a:ext>
             </a:extLst>
           </p:cNvPr>
@@ -1792,7 +1792,7 @@
           <p:cNvPr id="7" name="日期占位符 6">
             <a:extLst>
               <a:ext uri="{FF2B5EF4-FFF2-40B4-BE49-F238E27FC236}">
-                <a16:creationId xmlns:a16="http://schemas.microsoft.com/office/drawing/2014/main" id="{C1D1B71F-F860-0786-EA4E-7BB53E1FABEF}"/>
+                <a16:creationId xmlns:a16="http://schemas.microsoft.com/office/drawing/2014/main" id="{FF15AFB1-9144-E984-0622-4CD46B3B5DBB}"/>
               </a:ext>
             </a:extLst>
           </p:cNvPr>
@@ -1808,7 +1808,7 @@
           <a:bodyPr/>
           <a:lstStyle/>
           <a:p>
-            <a:fld id="{D8591F23-80A1-42F6-8DA1-BFFD1B0F0508}" type="datetimeFigureOut">
+            <a:fld id="{B44F6DAA-712B-4401-B7A6-51482ECF3CB2}" type="datetimeFigureOut">
               <a:rPr lang="zh-CN" altLang="en-US" smtClean="0"/>
               <a:t>2024/3/10</a:t>
             </a:fld>
@@ -1821,7 +1821,7 @@
           <p:cNvPr id="8" name="页脚占位符 7">
             <a:extLst>
               <a:ext uri="{FF2B5EF4-FFF2-40B4-BE49-F238E27FC236}">
-                <a16:creationId xmlns:a16="http://schemas.microsoft.com/office/drawing/2014/main" id="{287C4C6E-01AA-EAF7-EC4D-CB08CF601636}"/>
+                <a16:creationId xmlns:a16="http://schemas.microsoft.com/office/drawing/2014/main" id="{E573A828-5F40-5DB1-4C51-109844687D70}"/>
               </a:ext>
             </a:extLst>
           </p:cNvPr>
@@ -1846,7 +1846,7 @@
           <p:cNvPr id="9" name="灯片编号占位符 8">
             <a:extLst>
               <a:ext uri="{FF2B5EF4-FFF2-40B4-BE49-F238E27FC236}">
-                <a16:creationId xmlns:a16="http://schemas.microsoft.com/office/drawing/2014/main" id="{303B8F4C-91F4-A3CC-42AF-ABF47E176FAD}"/>
+                <a16:creationId xmlns:a16="http://schemas.microsoft.com/office/drawing/2014/main" id="{918F4EDD-D1D0-8E75-DE0E-76B2C94A47EC}"/>
               </a:ext>
             </a:extLst>
           </p:cNvPr>
@@ -1862,7 +1862,7 @@
           <a:bodyPr/>
           <a:lstStyle/>
           <a:p>
-            <a:fld id="{7FA2DAB6-122C-4077-B8DC-612C60D04849}" type="slidenum">
+            <a:fld id="{80071927-E2B2-49E9-A3C1-BA6E9EE697E4}" type="slidenum">
               <a:rPr lang="zh-CN" altLang="en-US" smtClean="0"/>
               <a:t>‹#›</a:t>
             </a:fld>
@@ -1873,7 +1873,7 @@
     </p:spTree>
     <p:extLst>
       <p:ext uri="{BB962C8B-B14F-4D97-AF65-F5344CB8AC3E}">
-        <p14:creationId xmlns:p14="http://schemas.microsoft.com/office/powerpoint/2010/main" val="684420186"/>
+        <p14:creationId xmlns:p14="http://schemas.microsoft.com/office/powerpoint/2010/main" val="4037617974"/>
       </p:ext>
     </p:extLst>
   </p:cSld>
@@ -1905,7 +1905,7 @@
           <p:cNvPr id="2" name="标题 1">
             <a:extLst>
               <a:ext uri="{FF2B5EF4-FFF2-40B4-BE49-F238E27FC236}">
-                <a16:creationId xmlns:a16="http://schemas.microsoft.com/office/drawing/2014/main" id="{E6EFD10B-B4CB-DA66-1F8A-59C2504C379F}"/>
+                <a16:creationId xmlns:a16="http://schemas.microsoft.com/office/drawing/2014/main" id="{9F332D37-EAC4-6E8B-B31D-3489DA73C0D7}"/>
               </a:ext>
             </a:extLst>
           </p:cNvPr>
@@ -1933,7 +1933,7 @@
           <p:cNvPr id="3" name="日期占位符 2">
             <a:extLst>
               <a:ext uri="{FF2B5EF4-FFF2-40B4-BE49-F238E27FC236}">
-                <a16:creationId xmlns:a16="http://schemas.microsoft.com/office/drawing/2014/main" id="{56E79201-781A-2E98-FF33-704B0DBF6144}"/>
+                <a16:creationId xmlns:a16="http://schemas.microsoft.com/office/drawing/2014/main" id="{A380197D-7B07-EF62-89A7-A4FDFBACC80E}"/>
               </a:ext>
             </a:extLst>
           </p:cNvPr>
@@ -1949,7 +1949,7 @@
           <a:bodyPr/>
           <a:lstStyle/>
           <a:p>
-            <a:fld id="{D8591F23-80A1-42F6-8DA1-BFFD1B0F0508}" type="datetimeFigureOut">
+            <a:fld id="{B44F6DAA-712B-4401-B7A6-51482ECF3CB2}" type="datetimeFigureOut">
               <a:rPr lang="zh-CN" altLang="en-US" smtClean="0"/>
               <a:t>2024/3/10</a:t>
             </a:fld>
@@ -1962,7 +1962,7 @@
           <p:cNvPr id="4" name="页脚占位符 3">
             <a:extLst>
               <a:ext uri="{FF2B5EF4-FFF2-40B4-BE49-F238E27FC236}">
-                <a16:creationId xmlns:a16="http://schemas.microsoft.com/office/drawing/2014/main" id="{6EC6BEC2-3CDC-5D93-1FD9-872BF95D6836}"/>
+                <a16:creationId xmlns:a16="http://schemas.microsoft.com/office/drawing/2014/main" id="{43D23552-7B05-529D-CC0A-14DCA78C3CA4}"/>
               </a:ext>
             </a:extLst>
           </p:cNvPr>
@@ -1987,7 +1987,7 @@
           <p:cNvPr id="5" name="灯片编号占位符 4">
             <a:extLst>
               <a:ext uri="{FF2B5EF4-FFF2-40B4-BE49-F238E27FC236}">
-                <a16:creationId xmlns:a16="http://schemas.microsoft.com/office/drawing/2014/main" id="{6848E33B-0833-8BFC-85DA-885C754225D0}"/>
+                <a16:creationId xmlns:a16="http://schemas.microsoft.com/office/drawing/2014/main" id="{6F795013-B137-AC49-29B7-2DBCBB551822}"/>
               </a:ext>
             </a:extLst>
           </p:cNvPr>
@@ -2003,7 +2003,7 @@
           <a:bodyPr/>
           <a:lstStyle/>
           <a:p>
-            <a:fld id="{7FA2DAB6-122C-4077-B8DC-612C60D04849}" type="slidenum">
+            <a:fld id="{80071927-E2B2-49E9-A3C1-BA6E9EE697E4}" type="slidenum">
               <a:rPr lang="zh-CN" altLang="en-US" smtClean="0"/>
               <a:t>‹#›</a:t>
             </a:fld>
@@ -2014,7 +2014,7 @@
     </p:spTree>
     <p:extLst>
       <p:ext uri="{BB962C8B-B14F-4D97-AF65-F5344CB8AC3E}">
-        <p14:creationId xmlns:p14="http://schemas.microsoft.com/office/powerpoint/2010/main" val="1966601669"/>
+        <p14:creationId xmlns:p14="http://schemas.microsoft.com/office/powerpoint/2010/main" val="1386984541"/>
       </p:ext>
     </p:extLst>
   </p:cSld>
@@ -2046,7 +2046,7 @@
           <p:cNvPr id="2" name="日期占位符 1">
             <a:extLst>
               <a:ext uri="{FF2B5EF4-FFF2-40B4-BE49-F238E27FC236}">
-                <a16:creationId xmlns:a16="http://schemas.microsoft.com/office/drawing/2014/main" id="{FE151FEF-1A5A-EB83-C12F-9971CF8DDDC6}"/>
+                <a16:creationId xmlns:a16="http://schemas.microsoft.com/office/drawing/2014/main" id="{721454C6-8AC4-A7E2-000B-0EB8631E3463}"/>
               </a:ext>
             </a:extLst>
           </p:cNvPr>
@@ -2062,7 +2062,7 @@
           <a:bodyPr/>
           <a:lstStyle/>
           <a:p>
-            <a:fld id="{D8591F23-80A1-42F6-8DA1-BFFD1B0F0508}" type="datetimeFigureOut">
+            <a:fld id="{B44F6DAA-712B-4401-B7A6-51482ECF3CB2}" type="datetimeFigureOut">
               <a:rPr lang="zh-CN" altLang="en-US" smtClean="0"/>
               <a:t>2024/3/10</a:t>
             </a:fld>
@@ -2075,7 +2075,7 @@
           <p:cNvPr id="3" name="页脚占位符 2">
             <a:extLst>
               <a:ext uri="{FF2B5EF4-FFF2-40B4-BE49-F238E27FC236}">
-                <a16:creationId xmlns:a16="http://schemas.microsoft.com/office/drawing/2014/main" id="{E097A9A9-F53F-DEB0-794B-D92ED81C257D}"/>
+                <a16:creationId xmlns:a16="http://schemas.microsoft.com/office/drawing/2014/main" id="{4C48BBF9-4F2F-A1FB-2B9F-16FAA9F264B9}"/>
               </a:ext>
             </a:extLst>
           </p:cNvPr>
@@ -2100,7 +2100,7 @@
           <p:cNvPr id="4" name="灯片编号占位符 3">
             <a:extLst>
               <a:ext uri="{FF2B5EF4-FFF2-40B4-BE49-F238E27FC236}">
-                <a16:creationId xmlns:a16="http://schemas.microsoft.com/office/drawing/2014/main" id="{03FFF48D-D89C-CFE3-464D-AF82AB7E45E4}"/>
+                <a16:creationId xmlns:a16="http://schemas.microsoft.com/office/drawing/2014/main" id="{74DF7161-5830-6D99-75D0-827225BDE4CD}"/>
               </a:ext>
             </a:extLst>
           </p:cNvPr>
@@ -2116,7 +2116,7 @@
           <a:bodyPr/>
           <a:lstStyle/>
           <a:p>
-            <a:fld id="{7FA2DAB6-122C-4077-B8DC-612C60D04849}" type="slidenum">
+            <a:fld id="{80071927-E2B2-49E9-A3C1-BA6E9EE697E4}" type="slidenum">
               <a:rPr lang="zh-CN" altLang="en-US" smtClean="0"/>
               <a:t>‹#›</a:t>
             </a:fld>
@@ -2127,7 +2127,7 @@
     </p:spTree>
     <p:extLst>
       <p:ext uri="{BB962C8B-B14F-4D97-AF65-F5344CB8AC3E}">
-        <p14:creationId xmlns:p14="http://schemas.microsoft.com/office/powerpoint/2010/main" val="2801469312"/>
+        <p14:creationId xmlns:p14="http://schemas.microsoft.com/office/powerpoint/2010/main" val="2869087565"/>
       </p:ext>
     </p:extLst>
   </p:cSld>
@@ -2159,7 +2159,7 @@
           <p:cNvPr id="2" name="标题 1">
             <a:extLst>
               <a:ext uri="{FF2B5EF4-FFF2-40B4-BE49-F238E27FC236}">
-                <a16:creationId xmlns:a16="http://schemas.microsoft.com/office/drawing/2014/main" id="{45659259-A659-F713-2A03-C23067C83E1B}"/>
+                <a16:creationId xmlns:a16="http://schemas.microsoft.com/office/drawing/2014/main" id="{1A06BCF2-6DF6-F4B0-93D0-33B6908CCE3F}"/>
               </a:ext>
             </a:extLst>
           </p:cNvPr>
@@ -2196,7 +2196,7 @@
           <p:cNvPr id="3" name="内容占位符 2">
             <a:extLst>
               <a:ext uri="{FF2B5EF4-FFF2-40B4-BE49-F238E27FC236}">
-                <a16:creationId xmlns:a16="http://schemas.microsoft.com/office/drawing/2014/main" id="{C2D81170-1A45-9494-2A7E-6FD4263E4AF7}"/>
+                <a16:creationId xmlns:a16="http://schemas.microsoft.com/office/drawing/2014/main" id="{F5AEA3AA-D490-A28A-3DEE-4655F0460A67}"/>
               </a:ext>
             </a:extLst>
           </p:cNvPr>
@@ -2286,7 +2286,7 @@
           <p:cNvPr id="4" name="文本占位符 3">
             <a:extLst>
               <a:ext uri="{FF2B5EF4-FFF2-40B4-BE49-F238E27FC236}">
-                <a16:creationId xmlns:a16="http://schemas.microsoft.com/office/drawing/2014/main" id="{94EAB421-7436-5FFE-759C-ACCCED6A6240}"/>
+                <a16:creationId xmlns:a16="http://schemas.microsoft.com/office/drawing/2014/main" id="{D7E93A00-197E-CAED-8772-E7A5980D5742}"/>
               </a:ext>
             </a:extLst>
           </p:cNvPr>
@@ -2357,7 +2357,7 @@
           <p:cNvPr id="5" name="日期占位符 4">
             <a:extLst>
               <a:ext uri="{FF2B5EF4-FFF2-40B4-BE49-F238E27FC236}">
-                <a16:creationId xmlns:a16="http://schemas.microsoft.com/office/drawing/2014/main" id="{02722C48-CBC8-4982-E6AB-8BDBC35C3192}"/>
+                <a16:creationId xmlns:a16="http://schemas.microsoft.com/office/drawing/2014/main" id="{5442DDCD-8A14-1050-7DE5-561B797690CC}"/>
               </a:ext>
             </a:extLst>
           </p:cNvPr>
@@ -2373,7 +2373,7 @@
           <a:bodyPr/>
           <a:lstStyle/>
           <a:p>
-            <a:fld id="{D8591F23-80A1-42F6-8DA1-BFFD1B0F0508}" type="datetimeFigureOut">
+            <a:fld id="{B44F6DAA-712B-4401-B7A6-51482ECF3CB2}" type="datetimeFigureOut">
               <a:rPr lang="zh-CN" altLang="en-US" smtClean="0"/>
               <a:t>2024/3/10</a:t>
             </a:fld>
@@ -2386,7 +2386,7 @@
           <p:cNvPr id="6" name="页脚占位符 5">
             <a:extLst>
               <a:ext uri="{FF2B5EF4-FFF2-40B4-BE49-F238E27FC236}">
-                <a16:creationId xmlns:a16="http://schemas.microsoft.com/office/drawing/2014/main" id="{F8F35274-CB64-7398-3B07-58D647566F16}"/>
+                <a16:creationId xmlns:a16="http://schemas.microsoft.com/office/drawing/2014/main" id="{3812C478-1AAF-20C2-75D6-BEF0AB13DB47}"/>
               </a:ext>
             </a:extLst>
           </p:cNvPr>
@@ -2411,7 +2411,7 @@
           <p:cNvPr id="7" name="灯片编号占位符 6">
             <a:extLst>
               <a:ext uri="{FF2B5EF4-FFF2-40B4-BE49-F238E27FC236}">
-                <a16:creationId xmlns:a16="http://schemas.microsoft.com/office/drawing/2014/main" id="{726F57E8-FFED-090E-4F70-B0857EF652EF}"/>
+                <a16:creationId xmlns:a16="http://schemas.microsoft.com/office/drawing/2014/main" id="{0461E4F4-D7B9-CD26-6683-0DC78BFCCB49}"/>
               </a:ext>
             </a:extLst>
           </p:cNvPr>
@@ -2427,7 +2427,7 @@
           <a:bodyPr/>
           <a:lstStyle/>
           <a:p>
-            <a:fld id="{7FA2DAB6-122C-4077-B8DC-612C60D04849}" type="slidenum">
+            <a:fld id="{80071927-E2B2-49E9-A3C1-BA6E9EE697E4}" type="slidenum">
               <a:rPr lang="zh-CN" altLang="en-US" smtClean="0"/>
               <a:t>‹#›</a:t>
             </a:fld>
@@ -2438,7 +2438,7 @@
     </p:spTree>
     <p:extLst>
       <p:ext uri="{BB962C8B-B14F-4D97-AF65-F5344CB8AC3E}">
-        <p14:creationId xmlns:p14="http://schemas.microsoft.com/office/powerpoint/2010/main" val="2492643566"/>
+        <p14:creationId xmlns:p14="http://schemas.microsoft.com/office/powerpoint/2010/main" val="1570901172"/>
       </p:ext>
     </p:extLst>
   </p:cSld>
@@ -2470,7 +2470,7 @@
           <p:cNvPr id="2" name="标题 1">
             <a:extLst>
               <a:ext uri="{FF2B5EF4-FFF2-40B4-BE49-F238E27FC236}">
-                <a16:creationId xmlns:a16="http://schemas.microsoft.com/office/drawing/2014/main" id="{2CF67603-9947-CC0B-7EE6-3AF37EFE3C5D}"/>
+                <a16:creationId xmlns:a16="http://schemas.microsoft.com/office/drawing/2014/main" id="{5ACA6433-8859-C7D7-B01B-C3C160F56549}"/>
               </a:ext>
             </a:extLst>
           </p:cNvPr>
@@ -2507,7 +2507,7 @@
           <p:cNvPr id="3" name="图片占位符 2">
             <a:extLst>
               <a:ext uri="{FF2B5EF4-FFF2-40B4-BE49-F238E27FC236}">
-                <a16:creationId xmlns:a16="http://schemas.microsoft.com/office/drawing/2014/main" id="{C40F1A77-5182-F7AA-6141-41248758350D}"/>
+                <a16:creationId xmlns:a16="http://schemas.microsoft.com/office/drawing/2014/main" id="{EDC0C6E2-5481-4BF0-3C1C-8481065ED1E1}"/>
               </a:ext>
             </a:extLst>
           </p:cNvPr>
@@ -2574,7 +2574,7 @@
           <p:cNvPr id="4" name="文本占位符 3">
             <a:extLst>
               <a:ext uri="{FF2B5EF4-FFF2-40B4-BE49-F238E27FC236}">
-                <a16:creationId xmlns:a16="http://schemas.microsoft.com/office/drawing/2014/main" id="{5B9439D2-CCEF-49B7-C52B-F863A6B08392}"/>
+                <a16:creationId xmlns:a16="http://schemas.microsoft.com/office/drawing/2014/main" id="{62568701-DC41-04E5-E794-D598899E7B6E}"/>
               </a:ext>
             </a:extLst>
           </p:cNvPr>
@@ -2645,7 +2645,7 @@
           <p:cNvPr id="5" name="日期占位符 4">
             <a:extLst>
               <a:ext uri="{FF2B5EF4-FFF2-40B4-BE49-F238E27FC236}">
-                <a16:creationId xmlns:a16="http://schemas.microsoft.com/office/drawing/2014/main" id="{7B5F33ED-65CA-9D45-5868-808AAD0993B2}"/>
+                <a16:creationId xmlns:a16="http://schemas.microsoft.com/office/drawing/2014/main" id="{3B9CC722-A6C0-9CE4-4D7E-CCB4A3AB907F}"/>
               </a:ext>
             </a:extLst>
           </p:cNvPr>
@@ -2661,7 +2661,7 @@
           <a:bodyPr/>
           <a:lstStyle/>
           <a:p>
-            <a:fld id="{D8591F23-80A1-42F6-8DA1-BFFD1B0F0508}" type="datetimeFigureOut">
+            <a:fld id="{B44F6DAA-712B-4401-B7A6-51482ECF3CB2}" type="datetimeFigureOut">
               <a:rPr lang="zh-CN" altLang="en-US" smtClean="0"/>
               <a:t>2024/3/10</a:t>
             </a:fld>
@@ -2674,7 +2674,7 @@
           <p:cNvPr id="6" name="页脚占位符 5">
             <a:extLst>
               <a:ext uri="{FF2B5EF4-FFF2-40B4-BE49-F238E27FC236}">
-                <a16:creationId xmlns:a16="http://schemas.microsoft.com/office/drawing/2014/main" id="{AF42ABF4-8FA4-6163-FCD9-0716FB54BC1A}"/>
+                <a16:creationId xmlns:a16="http://schemas.microsoft.com/office/drawing/2014/main" id="{D2FB527A-B5F6-0B00-DC4A-71754AAAE9B5}"/>
               </a:ext>
             </a:extLst>
           </p:cNvPr>
@@ -2699,7 +2699,7 @@
           <p:cNvPr id="7" name="灯片编号占位符 6">
             <a:extLst>
               <a:ext uri="{FF2B5EF4-FFF2-40B4-BE49-F238E27FC236}">
-                <a16:creationId xmlns:a16="http://schemas.microsoft.com/office/drawing/2014/main" id="{B196E712-6ED8-58CF-36CB-5D3172FDE07C}"/>
+                <a16:creationId xmlns:a16="http://schemas.microsoft.com/office/drawing/2014/main" id="{B9DAE997-CE77-38CA-1563-84D8E044B0FB}"/>
               </a:ext>
             </a:extLst>
           </p:cNvPr>
@@ -2715,7 +2715,7 @@
           <a:bodyPr/>
           <a:lstStyle/>
           <a:p>
-            <a:fld id="{7FA2DAB6-122C-4077-B8DC-612C60D04849}" type="slidenum">
+            <a:fld id="{80071927-E2B2-49E9-A3C1-BA6E9EE697E4}" type="slidenum">
               <a:rPr lang="zh-CN" altLang="en-US" smtClean="0"/>
               <a:t>‹#›</a:t>
             </a:fld>
@@ -2726,7 +2726,7 @@
     </p:spTree>
     <p:extLst>
       <p:ext uri="{BB962C8B-B14F-4D97-AF65-F5344CB8AC3E}">
-        <p14:creationId xmlns:p14="http://schemas.microsoft.com/office/powerpoint/2010/main" val="3465289846"/>
+        <p14:creationId xmlns:p14="http://schemas.microsoft.com/office/powerpoint/2010/main" val="864744209"/>
       </p:ext>
     </p:extLst>
   </p:cSld>
@@ -2763,7 +2763,7 @@
           <p:cNvPr id="2" name="标题占位符 1">
             <a:extLst>
               <a:ext uri="{FF2B5EF4-FFF2-40B4-BE49-F238E27FC236}">
-                <a16:creationId xmlns:a16="http://schemas.microsoft.com/office/drawing/2014/main" id="{83A3C118-9751-4F3C-2F74-165C1A682091}"/>
+                <a16:creationId xmlns:a16="http://schemas.microsoft.com/office/drawing/2014/main" id="{D90993B2-8EBE-6631-8B97-9A6EA2D77CB6}"/>
               </a:ext>
             </a:extLst>
           </p:cNvPr>
@@ -2801,7 +2801,7 @@
           <p:cNvPr id="3" name="文本占位符 2">
             <a:extLst>
               <a:ext uri="{FF2B5EF4-FFF2-40B4-BE49-F238E27FC236}">
-                <a16:creationId xmlns:a16="http://schemas.microsoft.com/office/drawing/2014/main" id="{55DA6129-22E7-2650-4DF2-03EBFC755D9F}"/>
+                <a16:creationId xmlns:a16="http://schemas.microsoft.com/office/drawing/2014/main" id="{49FE18D0-7E33-63C1-152E-CE3483B46F95}"/>
               </a:ext>
             </a:extLst>
           </p:cNvPr>
@@ -2868,7 +2868,7 @@
           <p:cNvPr id="4" name="日期占位符 3">
             <a:extLst>
               <a:ext uri="{FF2B5EF4-FFF2-40B4-BE49-F238E27FC236}">
-                <a16:creationId xmlns:a16="http://schemas.microsoft.com/office/drawing/2014/main" id="{45823DA8-FA0B-2CFE-5F3C-2937277C8770}"/>
+                <a16:creationId xmlns:a16="http://schemas.microsoft.com/office/drawing/2014/main" id="{E2C9533F-F983-59F0-2739-7165EBC9B189}"/>
               </a:ext>
             </a:extLst>
           </p:cNvPr>
@@ -2902,7 +2902,7 @@
             </a:lvl1pPr>
           </a:lstStyle>
           <a:p>
-            <a:fld id="{D8591F23-80A1-42F6-8DA1-BFFD1B0F0508}" type="datetimeFigureOut">
+            <a:fld id="{B44F6DAA-712B-4401-B7A6-51482ECF3CB2}" type="datetimeFigureOut">
               <a:rPr lang="zh-CN" altLang="en-US" smtClean="0"/>
               <a:t>2024/3/10</a:t>
             </a:fld>
@@ -2915,7 +2915,7 @@
           <p:cNvPr id="5" name="页脚占位符 4">
             <a:extLst>
               <a:ext uri="{FF2B5EF4-FFF2-40B4-BE49-F238E27FC236}">
-                <a16:creationId xmlns:a16="http://schemas.microsoft.com/office/drawing/2014/main" id="{3AD638FD-9832-871C-D97E-184EDF95A205}"/>
+                <a16:creationId xmlns:a16="http://schemas.microsoft.com/office/drawing/2014/main" id="{A26C19A6-559C-5D70-102B-78FE255BCF25}"/>
               </a:ext>
             </a:extLst>
           </p:cNvPr>
@@ -2958,7 +2958,7 @@
           <p:cNvPr id="6" name="灯片编号占位符 5">
             <a:extLst>
               <a:ext uri="{FF2B5EF4-FFF2-40B4-BE49-F238E27FC236}">
-                <a16:creationId xmlns:a16="http://schemas.microsoft.com/office/drawing/2014/main" id="{61FDF6C1-2779-C92C-FADC-637EC09F5371}"/>
+                <a16:creationId xmlns:a16="http://schemas.microsoft.com/office/drawing/2014/main" id="{61B74194-35C0-5BAD-97C8-40B24BF69A61}"/>
               </a:ext>
             </a:extLst>
           </p:cNvPr>
@@ -2992,7 +2992,7 @@
             </a:lvl1pPr>
           </a:lstStyle>
           <a:p>
-            <a:fld id="{7FA2DAB6-122C-4077-B8DC-612C60D04849}" type="slidenum">
+            <a:fld id="{80071927-E2B2-49E9-A3C1-BA6E9EE697E4}" type="slidenum">
               <a:rPr lang="zh-CN" altLang="en-US" smtClean="0"/>
               <a:t>‹#›</a:t>
             </a:fld>
@@ -3003,7 +3003,7 @@
     </p:spTree>
     <p:extLst>
       <p:ext uri="{BB962C8B-B14F-4D97-AF65-F5344CB8AC3E}">
-        <p14:creationId xmlns:p14="http://schemas.microsoft.com/office/powerpoint/2010/main" val="905614822"/>
+        <p14:creationId xmlns:p14="http://schemas.microsoft.com/office/powerpoint/2010/main" val="3229364557"/>
       </p:ext>
     </p:extLst>
   </p:cSld>
